--- a/simplesamlphp-on-appservice/images/figures.pptx
+++ b/simplesamlphp-on-appservice/images/figures.pptx
@@ -4848,7 +4848,7 @@
         </p:blipFill>
         <p:spPr>
           <a:xfrm>
-            <a:off x="1267876" y="262079"/>
+            <a:off x="182026" y="176354"/>
             <a:ext cx="7570273" cy="4162142"/>
           </a:xfrm>
           <a:prstGeom prst="rect">
@@ -4880,7 +4880,7 @@
         </p:nvSpPr>
         <p:spPr>
           <a:xfrm>
-            <a:off x="7012268" y="2716523"/>
+            <a:off x="5926418" y="2630798"/>
             <a:ext cx="1322898" cy="431044"/>
           </a:xfrm>
           <a:prstGeom prst="roundRect">
@@ -4933,7 +4933,7 @@
         </p:nvSpPr>
         <p:spPr>
           <a:xfrm>
-            <a:off x="2892718" y="2414590"/>
+            <a:off x="1806868" y="2328865"/>
             <a:ext cx="850620" cy="431044"/>
           </a:xfrm>
           <a:prstGeom prst="roundRect">
@@ -4972,6 +4972,46 @@
           </a:p>
         </p:txBody>
       </p:sp>
+      <p:pic>
+        <p:nvPicPr>
+          <p:cNvPr id="9" name="図 8">
+            <a:extLst>
+              <a:ext uri="{FF2B5EF4-FFF2-40B4-BE49-F238E27FC236}">
+                <a16:creationId xmlns:a16="http://schemas.microsoft.com/office/drawing/2014/main" id="{10D201D6-C3E2-68FE-A934-2DF698F46D81}"/>
+              </a:ext>
+            </a:extLst>
+          </p:cNvPr>
+          <p:cNvPicPr>
+            <a:picLocks noChangeAspect="1"/>
+          </p:cNvPicPr>
+          <p:nvPr/>
+        </p:nvPicPr>
+        <p:blipFill>
+          <a:blip r:embed="rId3"/>
+          <a:stretch>
+            <a:fillRect/>
+          </a:stretch>
+        </p:blipFill>
+        <p:spPr>
+          <a:xfrm>
+            <a:off x="7925882" y="176354"/>
+            <a:ext cx="5570809" cy="4684105"/>
+          </a:xfrm>
+          <a:prstGeom prst="rect">
+            <a:avLst/>
+          </a:prstGeom>
+          <a:ln>
+            <a:noFill/>
+          </a:ln>
+          <a:effectLst>
+            <a:outerShdw blurRad="292100" dist="139700" dir="2700000" algn="tl" rotWithShape="0">
+              <a:srgbClr val="333333">
+                <a:alpha val="65000"/>
+              </a:srgbClr>
+            </a:outerShdw>
+          </a:effectLst>
+        </p:spPr>
+      </p:pic>
     </p:spTree>
     <p:extLst>
       <p:ext uri="{BB962C8B-B14F-4D97-AF65-F5344CB8AC3E}">

--- a/simplesamlphp-on-appservice/images/figures.pptx
+++ b/simplesamlphp-on-appservice/images/figures.pptx
@@ -5,14 +5,15 @@
     <p:sldMasterId id="2147483648" r:id="rId1"/>
   </p:sldMasterIdLst>
   <p:sldIdLst>
-    <p:sldId id="256" r:id="rId2"/>
-    <p:sldId id="257" r:id="rId3"/>
-    <p:sldId id="259" r:id="rId4"/>
-    <p:sldId id="258" r:id="rId5"/>
-    <p:sldId id="260" r:id="rId6"/>
-    <p:sldId id="262" r:id="rId7"/>
-    <p:sldId id="261" r:id="rId8"/>
-    <p:sldId id="263" r:id="rId9"/>
+    <p:sldId id="264" r:id="rId2"/>
+    <p:sldId id="256" r:id="rId3"/>
+    <p:sldId id="257" r:id="rId4"/>
+    <p:sldId id="259" r:id="rId5"/>
+    <p:sldId id="258" r:id="rId6"/>
+    <p:sldId id="260" r:id="rId7"/>
+    <p:sldId id="262" r:id="rId8"/>
+    <p:sldId id="261" r:id="rId9"/>
+    <p:sldId id="263" r:id="rId10"/>
   </p:sldIdLst>
   <p:sldSz cx="12192000" cy="6858000"/>
   <p:notesSz cx="6858000" cy="9144000"/>
@@ -3621,6 +3622,342 @@
           <a:chExt cx="0" cy="0"/>
         </a:xfrm>
       </p:grpSpPr>
+      <p:sp>
+        <p:nvSpPr>
+          <p:cNvPr id="2" name="角丸四角形 1">
+            <a:extLst>
+              <a:ext uri="{FF2B5EF4-FFF2-40B4-BE49-F238E27FC236}">
+                <a16:creationId xmlns:a16="http://schemas.microsoft.com/office/drawing/2014/main" id="{49ADEC20-EAFD-A7CB-A9DE-5A645F54872E}"/>
+              </a:ext>
+            </a:extLst>
+          </p:cNvPr>
+          <p:cNvSpPr/>
+          <p:nvPr/>
+        </p:nvSpPr>
+        <p:spPr>
+          <a:xfrm>
+            <a:off x="4615543" y="3624943"/>
+            <a:ext cx="2329543" cy="990600"/>
+          </a:xfrm>
+          <a:prstGeom prst="roundRect">
+            <a:avLst/>
+          </a:prstGeom>
+        </p:spPr>
+        <p:style>
+          <a:lnRef idx="1">
+            <a:schemeClr val="accent1"/>
+          </a:lnRef>
+          <a:fillRef idx="2">
+            <a:schemeClr val="accent1"/>
+          </a:fillRef>
+          <a:effectRef idx="1">
+            <a:schemeClr val="accent1"/>
+          </a:effectRef>
+          <a:fontRef idx="minor">
+            <a:schemeClr val="dk1"/>
+          </a:fontRef>
+        </p:style>
+        <p:txBody>
+          <a:bodyPr rtlCol="0" anchor="ctr"/>
+          <a:lstStyle/>
+          <a:p>
+            <a:pPr algn="ctr"/>
+            <a:r>
+              <a:rPr kumimoji="1" lang="en-US" altLang="ja-JP" sz="1400" dirty="0"/>
+              <a:t>SAML</a:t>
+            </a:r>
+            <a:r>
+              <a:rPr lang="en-US" altLang="ja-JP" sz="1400" dirty="0"/>
+              <a:t> </a:t>
+            </a:r>
+            <a:r>
+              <a:rPr lang="ja-JP" altLang="en-US" sz="1400"/>
+              <a:t>認証したいアプリ</a:t>
+            </a:r>
+            <a:endParaRPr lang="en-US" altLang="ja-JP" sz="1400" dirty="0"/>
+          </a:p>
+          <a:p>
+            <a:pPr algn="ctr"/>
+            <a:r>
+              <a:rPr kumimoji="1" lang="ja-JP" altLang="en-US" sz="1400"/>
+              <a:t>（本記事の対象外）</a:t>
+            </a:r>
+            <a:endParaRPr kumimoji="1" lang="en-US" altLang="ja-JP" sz="1400" dirty="0"/>
+          </a:p>
+        </p:txBody>
+      </p:sp>
+      <p:sp>
+        <p:nvSpPr>
+          <p:cNvPr id="4" name="角丸四角形 3">
+            <a:extLst>
+              <a:ext uri="{FF2B5EF4-FFF2-40B4-BE49-F238E27FC236}">
+                <a16:creationId xmlns:a16="http://schemas.microsoft.com/office/drawing/2014/main" id="{14A97B7C-D6EA-D8D0-9720-2A1D79D754DC}"/>
+              </a:ext>
+            </a:extLst>
+          </p:cNvPr>
+          <p:cNvSpPr/>
+          <p:nvPr/>
+        </p:nvSpPr>
+        <p:spPr>
+          <a:xfrm>
+            <a:off x="4615542" y="1872343"/>
+            <a:ext cx="2329543" cy="990600"/>
+          </a:xfrm>
+          <a:prstGeom prst="roundRect">
+            <a:avLst/>
+          </a:prstGeom>
+        </p:spPr>
+        <p:style>
+          <a:lnRef idx="2">
+            <a:schemeClr val="accent1">
+              <a:shade val="50000"/>
+            </a:schemeClr>
+          </a:lnRef>
+          <a:fillRef idx="1">
+            <a:schemeClr val="accent1"/>
+          </a:fillRef>
+          <a:effectRef idx="0">
+            <a:schemeClr val="accent1"/>
+          </a:effectRef>
+          <a:fontRef idx="minor">
+            <a:schemeClr val="lt1"/>
+          </a:fontRef>
+        </p:style>
+        <p:txBody>
+          <a:bodyPr rtlCol="0" anchor="ctr"/>
+          <a:lstStyle/>
+          <a:p>
+            <a:pPr algn="ctr"/>
+            <a:endParaRPr kumimoji="1" lang="en-US" altLang="ja-JP" sz="1400" dirty="0"/>
+          </a:p>
+        </p:txBody>
+      </p:sp>
+      <p:sp>
+        <p:nvSpPr>
+          <p:cNvPr id="5" name="スマイル 4">
+            <a:extLst>
+              <a:ext uri="{FF2B5EF4-FFF2-40B4-BE49-F238E27FC236}">
+                <a16:creationId xmlns:a16="http://schemas.microsoft.com/office/drawing/2014/main" id="{9CACE6D6-3192-DE25-6946-A995D4494DDA}"/>
+              </a:ext>
+            </a:extLst>
+          </p:cNvPr>
+          <p:cNvSpPr/>
+          <p:nvPr/>
+        </p:nvSpPr>
+        <p:spPr>
+          <a:xfrm>
+            <a:off x="1621972" y="2754086"/>
+            <a:ext cx="957942" cy="870857"/>
+          </a:xfrm>
+          <a:prstGeom prst="smileyFace">
+            <a:avLst/>
+          </a:prstGeom>
+        </p:spPr>
+        <p:style>
+          <a:lnRef idx="1">
+            <a:schemeClr val="accent1"/>
+          </a:lnRef>
+          <a:fillRef idx="2">
+            <a:schemeClr val="accent1"/>
+          </a:fillRef>
+          <a:effectRef idx="1">
+            <a:schemeClr val="accent1"/>
+          </a:effectRef>
+          <a:fontRef idx="minor">
+            <a:schemeClr val="dk1"/>
+          </a:fontRef>
+        </p:style>
+        <p:txBody>
+          <a:bodyPr rtlCol="0" anchor="ctr"/>
+          <a:lstStyle/>
+          <a:p>
+            <a:pPr algn="ctr"/>
+            <a:endParaRPr kumimoji="1" lang="ja-JP" altLang="en-US" sz="1400"/>
+          </a:p>
+        </p:txBody>
+      </p:sp>
+      <p:cxnSp>
+        <p:nvCxnSpPr>
+          <p:cNvPr id="7" name="直線矢印コネクタ 6">
+            <a:extLst>
+              <a:ext uri="{FF2B5EF4-FFF2-40B4-BE49-F238E27FC236}">
+                <a16:creationId xmlns:a16="http://schemas.microsoft.com/office/drawing/2014/main" id="{61DB3F73-BF68-7177-EC99-45DCFA768757}"/>
+              </a:ext>
+            </a:extLst>
+          </p:cNvPr>
+          <p:cNvCxnSpPr/>
+          <p:nvPr/>
+        </p:nvCxnSpPr>
+        <p:spPr>
+          <a:xfrm flipV="1">
+            <a:off x="2699657" y="2367643"/>
+            <a:ext cx="1785257" cy="647700"/>
+          </a:xfrm>
+          <a:prstGeom prst="straightConnector1">
+            <a:avLst/>
+          </a:prstGeom>
+          <a:ln w="28575">
+            <a:headEnd type="none" w="med" len="med"/>
+            <a:tailEnd type="arrow" w="med" len="med"/>
+          </a:ln>
+        </p:spPr>
+        <p:style>
+          <a:lnRef idx="1">
+            <a:schemeClr val="dk1"/>
+          </a:lnRef>
+          <a:fillRef idx="0">
+            <a:schemeClr val="dk1"/>
+          </a:fillRef>
+          <a:effectRef idx="0">
+            <a:schemeClr val="dk1"/>
+          </a:effectRef>
+          <a:fontRef idx="minor">
+            <a:schemeClr val="tx1"/>
+          </a:fontRef>
+        </p:style>
+      </p:cxnSp>
+      <p:cxnSp>
+        <p:nvCxnSpPr>
+          <p:cNvPr id="8" name="直線矢印コネクタ 7">
+            <a:extLst>
+              <a:ext uri="{FF2B5EF4-FFF2-40B4-BE49-F238E27FC236}">
+                <a16:creationId xmlns:a16="http://schemas.microsoft.com/office/drawing/2014/main" id="{116FD597-DAE3-35CC-44B0-67403AE65247}"/>
+              </a:ext>
+            </a:extLst>
+          </p:cNvPr>
+          <p:cNvCxnSpPr>
+            <a:cxnSpLocks/>
+          </p:cNvCxnSpPr>
+          <p:nvPr/>
+        </p:nvCxnSpPr>
+        <p:spPr>
+          <a:xfrm>
+            <a:off x="2699657" y="3388179"/>
+            <a:ext cx="1785257" cy="647700"/>
+          </a:xfrm>
+          <a:prstGeom prst="straightConnector1">
+            <a:avLst/>
+          </a:prstGeom>
+          <a:ln w="28575">
+            <a:headEnd type="none" w="med" len="med"/>
+            <a:tailEnd type="arrow" w="med" len="med"/>
+          </a:ln>
+        </p:spPr>
+        <p:style>
+          <a:lnRef idx="1">
+            <a:schemeClr val="dk1"/>
+          </a:lnRef>
+          <a:fillRef idx="0">
+            <a:schemeClr val="dk1"/>
+          </a:fillRef>
+          <a:effectRef idx="0">
+            <a:schemeClr val="dk1"/>
+          </a:effectRef>
+          <a:fontRef idx="minor">
+            <a:schemeClr val="tx1"/>
+          </a:fontRef>
+        </p:style>
+      </p:cxnSp>
+      <p:sp>
+        <p:nvSpPr>
+          <p:cNvPr id="9" name="テキスト ボックス 8">
+            <a:extLst>
+              <a:ext uri="{FF2B5EF4-FFF2-40B4-BE49-F238E27FC236}">
+                <a16:creationId xmlns:a16="http://schemas.microsoft.com/office/drawing/2014/main" id="{3FED63A9-1CDB-F8F0-7736-885168CA4E1F}"/>
+              </a:ext>
+            </a:extLst>
+          </p:cNvPr>
+          <p:cNvSpPr txBox="1"/>
+          <p:nvPr/>
+        </p:nvSpPr>
+        <p:spPr>
+          <a:xfrm>
+            <a:off x="2863895" y="2367643"/>
+            <a:ext cx="1082348" cy="307777"/>
+          </a:xfrm>
+          <a:prstGeom prst="rect">
+            <a:avLst/>
+          </a:prstGeom>
+          <a:noFill/>
+        </p:spPr>
+        <p:txBody>
+          <a:bodyPr wrap="none" rtlCol="0">
+            <a:spAutoFit/>
+          </a:bodyPr>
+          <a:lstStyle/>
+          <a:p>
+            <a:r>
+              <a:rPr kumimoji="1" lang="ja-JP" altLang="en-US" sz="1400"/>
+              <a:t>サインイン</a:t>
+            </a:r>
+          </a:p>
+        </p:txBody>
+      </p:sp>
+      <p:sp>
+        <p:nvSpPr>
+          <p:cNvPr id="11" name="テキスト ボックス 10">
+            <a:extLst>
+              <a:ext uri="{FF2B5EF4-FFF2-40B4-BE49-F238E27FC236}">
+                <a16:creationId xmlns:a16="http://schemas.microsoft.com/office/drawing/2014/main" id="{2B4D4508-CD52-324E-E813-9EBBCF4F2C46}"/>
+              </a:ext>
+            </a:extLst>
+          </p:cNvPr>
+          <p:cNvSpPr txBox="1"/>
+          <p:nvPr/>
+        </p:nvSpPr>
+        <p:spPr>
+          <a:xfrm>
+            <a:off x="3048546" y="3812466"/>
+            <a:ext cx="543739" cy="307777"/>
+          </a:xfrm>
+          <a:prstGeom prst="rect">
+            <a:avLst/>
+          </a:prstGeom>
+          <a:noFill/>
+        </p:spPr>
+        <p:txBody>
+          <a:bodyPr wrap="none" rtlCol="0">
+            <a:spAutoFit/>
+          </a:bodyPr>
+          <a:lstStyle/>
+          <a:p>
+            <a:r>
+              <a:rPr kumimoji="1" lang="ja-JP" altLang="en-US" sz="1400"/>
+              <a:t>利用</a:t>
+            </a:r>
+          </a:p>
+        </p:txBody>
+      </p:sp>
+    </p:spTree>
+    <p:extLst>
+      <p:ext uri="{BB962C8B-B14F-4D97-AF65-F5344CB8AC3E}">
+        <p14:creationId xmlns:p14="http://schemas.microsoft.com/office/powerpoint/2010/main" val="1327008640"/>
+      </p:ext>
+    </p:extLst>
+  </p:cSld>
+  <p:clrMapOvr>
+    <a:masterClrMapping/>
+  </p:clrMapOvr>
+</p:sld>
+</file>
+
+<file path=ppt/slides/slide2.xml><?xml version="1.0" encoding="utf-8"?>
+<p:sld xmlns:a="http://schemas.openxmlformats.org/drawingml/2006/main" xmlns:r="http://schemas.openxmlformats.org/officeDocument/2006/relationships" xmlns:p="http://schemas.openxmlformats.org/presentationml/2006/main">
+  <p:cSld>
+    <p:spTree>
+      <p:nvGrpSpPr>
+        <p:cNvPr id="1" name=""/>
+        <p:cNvGrpSpPr/>
+        <p:nvPr/>
+      </p:nvGrpSpPr>
+      <p:grpSpPr>
+        <a:xfrm>
+          <a:off x="0" y="0"/>
+          <a:ext cx="0" cy="0"/>
+          <a:chOff x="0" y="0"/>
+          <a:chExt cx="0" cy="0"/>
+        </a:xfrm>
+      </p:grpSpPr>
       <p:pic>
         <p:nvPicPr>
           <p:cNvPr id="3" name="図 2">
@@ -3674,7 +4011,7 @@
 </p:sld>
 </file>
 
-<file path=ppt/slides/slide2.xml><?xml version="1.0" encoding="utf-8"?>
+<file path=ppt/slides/slide3.xml><?xml version="1.0" encoding="utf-8"?>
 <p:sld xmlns:a="http://schemas.openxmlformats.org/drawingml/2006/main" xmlns:r="http://schemas.openxmlformats.org/officeDocument/2006/relationships" xmlns:p="http://schemas.openxmlformats.org/presentationml/2006/main">
   <p:cSld>
     <p:spTree>
@@ -3836,7 +4173,7 @@
 </p:sld>
 </file>
 
-<file path=ppt/slides/slide3.xml><?xml version="1.0" encoding="utf-8"?>
+<file path=ppt/slides/slide4.xml><?xml version="1.0" encoding="utf-8"?>
 <p:sld xmlns:a="http://schemas.openxmlformats.org/drawingml/2006/main" xmlns:r="http://schemas.openxmlformats.org/officeDocument/2006/relationships" xmlns:p="http://schemas.openxmlformats.org/presentationml/2006/main">
   <p:cSld>
     <p:spTree>
@@ -4052,7 +4389,7 @@
 </p:sld>
 </file>
 
-<file path=ppt/slides/slide4.xml><?xml version="1.0" encoding="utf-8"?>
+<file path=ppt/slides/slide5.xml><?xml version="1.0" encoding="utf-8"?>
 <p:sld xmlns:a="http://schemas.openxmlformats.org/drawingml/2006/main" xmlns:r="http://schemas.openxmlformats.org/officeDocument/2006/relationships" xmlns:p="http://schemas.openxmlformats.org/presentationml/2006/main">
   <p:cSld>
     <p:spTree>
@@ -4268,7 +4605,7 @@
 </p:sld>
 </file>
 
-<file path=ppt/slides/slide5.xml><?xml version="1.0" encoding="utf-8"?>
+<file path=ppt/slides/slide6.xml><?xml version="1.0" encoding="utf-8"?>
 <p:sld xmlns:a="http://schemas.openxmlformats.org/drawingml/2006/main" xmlns:r="http://schemas.openxmlformats.org/officeDocument/2006/relationships" xmlns:p="http://schemas.openxmlformats.org/presentationml/2006/main">
   <p:cSld>
     <p:spTree>
@@ -4431,7 +4768,7 @@
 </p:sld>
 </file>
 
-<file path=ppt/slides/slide6.xml><?xml version="1.0" encoding="utf-8"?>
+<file path=ppt/slides/slide7.xml><?xml version="1.0" encoding="utf-8"?>
 <p:sld xmlns:a="http://schemas.openxmlformats.org/drawingml/2006/main" xmlns:r="http://schemas.openxmlformats.org/officeDocument/2006/relationships" xmlns:p="http://schemas.openxmlformats.org/presentationml/2006/main">
   <p:cSld>
     <p:spTree>
@@ -4686,7 +5023,7 @@
 </p:sld>
 </file>
 
-<file path=ppt/slides/slide7.xml><?xml version="1.0" encoding="utf-8"?>
+<file path=ppt/slides/slide8.xml><?xml version="1.0" encoding="utf-8"?>
 <p:sld xmlns:a="http://schemas.openxmlformats.org/drawingml/2006/main" xmlns:r="http://schemas.openxmlformats.org/officeDocument/2006/relationships" xmlns:p="http://schemas.openxmlformats.org/presentationml/2006/main">
   <p:cSld>
     <p:spTree>
@@ -4809,7 +5146,7 @@
 </p:sld>
 </file>
 
-<file path=ppt/slides/slide8.xml><?xml version="1.0" encoding="utf-8"?>
+<file path=ppt/slides/slide9.xml><?xml version="1.0" encoding="utf-8"?>
 <p:sld xmlns:a="http://schemas.openxmlformats.org/drawingml/2006/main" xmlns:r="http://schemas.openxmlformats.org/officeDocument/2006/relationships" xmlns:p="http://schemas.openxmlformats.org/presentationml/2006/main">
   <p:cSld>
     <p:spTree>

--- a/simplesamlphp-on-appservice/images/figures.pptx
+++ b/simplesamlphp-on-appservice/images/figures.pptx
@@ -3636,10 +3636,120 @@
         </p:nvSpPr>
         <p:spPr>
           <a:xfrm>
-            <a:off x="4615543" y="3624943"/>
-            <a:ext cx="2329543" cy="990600"/>
+            <a:off x="4626428" y="3864429"/>
+            <a:ext cx="2514601" cy="990600"/>
           </a:xfrm>
           <a:prstGeom prst="roundRect">
+            <a:avLst/>
+          </a:prstGeom>
+        </p:spPr>
+        <p:style>
+          <a:lnRef idx="2">
+            <a:schemeClr val="accent3"/>
+          </a:lnRef>
+          <a:fillRef idx="1">
+            <a:schemeClr val="lt1"/>
+          </a:fillRef>
+          <a:effectRef idx="0">
+            <a:schemeClr val="accent3"/>
+          </a:effectRef>
+          <a:fontRef idx="minor">
+            <a:schemeClr val="dk1"/>
+          </a:fontRef>
+        </p:style>
+        <p:txBody>
+          <a:bodyPr rtlCol="0" anchor="ctr"/>
+          <a:lstStyle/>
+          <a:p>
+            <a:pPr algn="ctr"/>
+            <a:r>
+              <a:rPr kumimoji="1" lang="en-US" altLang="ja-JP" sz="1400" dirty="0"/>
+              <a:t>SAML</a:t>
+            </a:r>
+            <a:r>
+              <a:rPr lang="en-US" altLang="ja-JP" sz="1400" dirty="0"/>
+              <a:t> </a:t>
+            </a:r>
+            <a:r>
+              <a:rPr lang="ja-JP" altLang="en-US" sz="1400"/>
+              <a:t>認証したいアプリ</a:t>
+            </a:r>
+            <a:endParaRPr lang="en-US" altLang="ja-JP" sz="1400" dirty="0"/>
+          </a:p>
+          <a:p>
+            <a:pPr algn="ctr"/>
+            <a:r>
+              <a:rPr kumimoji="1" lang="ja-JP" altLang="en-US" sz="1400"/>
+              <a:t>（本記事の対象外）</a:t>
+            </a:r>
+            <a:endParaRPr kumimoji="1" lang="en-US" altLang="ja-JP" sz="1400" dirty="0"/>
+          </a:p>
+        </p:txBody>
+      </p:sp>
+      <p:sp>
+        <p:nvSpPr>
+          <p:cNvPr id="4" name="角丸四角形 3">
+            <a:extLst>
+              <a:ext uri="{FF2B5EF4-FFF2-40B4-BE49-F238E27FC236}">
+                <a16:creationId xmlns:a16="http://schemas.microsoft.com/office/drawing/2014/main" id="{14A97B7C-D6EA-D8D0-9720-2A1D79D754DC}"/>
+              </a:ext>
+            </a:extLst>
+          </p:cNvPr>
+          <p:cNvSpPr/>
+          <p:nvPr/>
+        </p:nvSpPr>
+        <p:spPr>
+          <a:xfrm>
+            <a:off x="4626427" y="718458"/>
+            <a:ext cx="4212772" cy="2275114"/>
+          </a:xfrm>
+          <a:prstGeom prst="roundRect">
+            <a:avLst>
+              <a:gd name="adj" fmla="val 9968"/>
+            </a:avLst>
+          </a:prstGeom>
+        </p:spPr>
+        <p:style>
+          <a:lnRef idx="2">
+            <a:schemeClr val="accent1"/>
+          </a:lnRef>
+          <a:fillRef idx="1">
+            <a:schemeClr val="lt1"/>
+          </a:fillRef>
+          <a:effectRef idx="0">
+            <a:schemeClr val="accent1"/>
+          </a:effectRef>
+          <a:fontRef idx="minor">
+            <a:schemeClr val="dk1"/>
+          </a:fontRef>
+        </p:style>
+        <p:txBody>
+          <a:bodyPr rtlCol="0" anchor="ctr"/>
+          <a:lstStyle/>
+          <a:p>
+            <a:pPr algn="ctr"/>
+            <a:endParaRPr kumimoji="1" lang="en-US" altLang="ja-JP" sz="1400" dirty="0"/>
+          </a:p>
+        </p:txBody>
+      </p:sp>
+      <p:sp>
+        <p:nvSpPr>
+          <p:cNvPr id="5" name="スマイル 4">
+            <a:extLst>
+              <a:ext uri="{FF2B5EF4-FFF2-40B4-BE49-F238E27FC236}">
+                <a16:creationId xmlns:a16="http://schemas.microsoft.com/office/drawing/2014/main" id="{9CACE6D6-3192-DE25-6946-A995D4494DDA}"/>
+              </a:ext>
+            </a:extLst>
+          </p:cNvPr>
+          <p:cNvSpPr/>
+          <p:nvPr/>
+        </p:nvSpPr>
+        <p:spPr>
+          <a:xfrm>
+            <a:off x="1632857" y="2993572"/>
+            <a:ext cx="957942" cy="870857"/>
+          </a:xfrm>
+          <a:prstGeom prst="smileyFace">
             <a:avLst/>
           </a:prstGeom>
         </p:spPr>
@@ -3662,116 +3772,6 @@
           <a:lstStyle/>
           <a:p>
             <a:pPr algn="ctr"/>
-            <a:r>
-              <a:rPr kumimoji="1" lang="en-US" altLang="ja-JP" sz="1400" dirty="0"/>
-              <a:t>SAML</a:t>
-            </a:r>
-            <a:r>
-              <a:rPr lang="en-US" altLang="ja-JP" sz="1400" dirty="0"/>
-              <a:t> </a:t>
-            </a:r>
-            <a:r>
-              <a:rPr lang="ja-JP" altLang="en-US" sz="1400"/>
-              <a:t>認証したいアプリ</a:t>
-            </a:r>
-            <a:endParaRPr lang="en-US" altLang="ja-JP" sz="1400" dirty="0"/>
-          </a:p>
-          <a:p>
-            <a:pPr algn="ctr"/>
-            <a:r>
-              <a:rPr kumimoji="1" lang="ja-JP" altLang="en-US" sz="1400"/>
-              <a:t>（本記事の対象外）</a:t>
-            </a:r>
-            <a:endParaRPr kumimoji="1" lang="en-US" altLang="ja-JP" sz="1400" dirty="0"/>
-          </a:p>
-        </p:txBody>
-      </p:sp>
-      <p:sp>
-        <p:nvSpPr>
-          <p:cNvPr id="4" name="角丸四角形 3">
-            <a:extLst>
-              <a:ext uri="{FF2B5EF4-FFF2-40B4-BE49-F238E27FC236}">
-                <a16:creationId xmlns:a16="http://schemas.microsoft.com/office/drawing/2014/main" id="{14A97B7C-D6EA-D8D0-9720-2A1D79D754DC}"/>
-              </a:ext>
-            </a:extLst>
-          </p:cNvPr>
-          <p:cNvSpPr/>
-          <p:nvPr/>
-        </p:nvSpPr>
-        <p:spPr>
-          <a:xfrm>
-            <a:off x="4615542" y="1872343"/>
-            <a:ext cx="2329543" cy="990600"/>
-          </a:xfrm>
-          <a:prstGeom prst="roundRect">
-            <a:avLst/>
-          </a:prstGeom>
-        </p:spPr>
-        <p:style>
-          <a:lnRef idx="2">
-            <a:schemeClr val="accent1">
-              <a:shade val="50000"/>
-            </a:schemeClr>
-          </a:lnRef>
-          <a:fillRef idx="1">
-            <a:schemeClr val="accent1"/>
-          </a:fillRef>
-          <a:effectRef idx="0">
-            <a:schemeClr val="accent1"/>
-          </a:effectRef>
-          <a:fontRef idx="minor">
-            <a:schemeClr val="lt1"/>
-          </a:fontRef>
-        </p:style>
-        <p:txBody>
-          <a:bodyPr rtlCol="0" anchor="ctr"/>
-          <a:lstStyle/>
-          <a:p>
-            <a:pPr algn="ctr"/>
-            <a:endParaRPr kumimoji="1" lang="en-US" altLang="ja-JP" sz="1400" dirty="0"/>
-          </a:p>
-        </p:txBody>
-      </p:sp>
-      <p:sp>
-        <p:nvSpPr>
-          <p:cNvPr id="5" name="スマイル 4">
-            <a:extLst>
-              <a:ext uri="{FF2B5EF4-FFF2-40B4-BE49-F238E27FC236}">
-                <a16:creationId xmlns:a16="http://schemas.microsoft.com/office/drawing/2014/main" id="{9CACE6D6-3192-DE25-6946-A995D4494DDA}"/>
-              </a:ext>
-            </a:extLst>
-          </p:cNvPr>
-          <p:cNvSpPr/>
-          <p:nvPr/>
-        </p:nvSpPr>
-        <p:spPr>
-          <a:xfrm>
-            <a:off x="1621972" y="2754086"/>
-            <a:ext cx="957942" cy="870857"/>
-          </a:xfrm>
-          <a:prstGeom prst="smileyFace">
-            <a:avLst/>
-          </a:prstGeom>
-        </p:spPr>
-        <p:style>
-          <a:lnRef idx="1">
-            <a:schemeClr val="accent1"/>
-          </a:lnRef>
-          <a:fillRef idx="2">
-            <a:schemeClr val="accent1"/>
-          </a:fillRef>
-          <a:effectRef idx="1">
-            <a:schemeClr val="accent1"/>
-          </a:effectRef>
-          <a:fontRef idx="minor">
-            <a:schemeClr val="dk1"/>
-          </a:fontRef>
-        </p:style>
-        <p:txBody>
-          <a:bodyPr rtlCol="0" anchor="ctr"/>
-          <a:lstStyle/>
-          <a:p>
-            <a:pPr algn="ctr"/>
             <a:endParaRPr kumimoji="1" lang="ja-JP" altLang="en-US" sz="1400"/>
           </a:p>
         </p:txBody>
@@ -3785,13 +3785,15 @@
               </a:ext>
             </a:extLst>
           </p:cNvPr>
-          <p:cNvCxnSpPr/>
+          <p:cNvCxnSpPr>
+            <a:cxnSpLocks/>
+          </p:cNvCxnSpPr>
           <p:nvPr/>
         </p:nvCxnSpPr>
         <p:spPr>
           <a:xfrm flipV="1">
-            <a:off x="2699657" y="2367643"/>
-            <a:ext cx="1785257" cy="647700"/>
+            <a:off x="2710542" y="2286000"/>
+            <a:ext cx="2329544" cy="968829"/>
           </a:xfrm>
           <a:prstGeom prst="straightConnector1">
             <a:avLst/>
@@ -3832,7 +3834,7 @@
         </p:nvCxnSpPr>
         <p:spPr>
           <a:xfrm>
-            <a:off x="2699657" y="3388179"/>
+            <a:off x="2710542" y="3627665"/>
             <a:ext cx="1785257" cy="647700"/>
           </a:xfrm>
           <a:prstGeom prst="straightConnector1">
@@ -3872,7 +3874,7 @@
         </p:nvSpPr>
         <p:spPr>
           <a:xfrm>
-            <a:off x="2863895" y="2367643"/>
+            <a:off x="2874780" y="2607129"/>
             <a:ext cx="1082348" cy="307777"/>
           </a:xfrm>
           <a:prstGeom prst="rect">
@@ -3907,7 +3909,7 @@
         </p:nvSpPr>
         <p:spPr>
           <a:xfrm>
-            <a:off x="3048546" y="3812466"/>
+            <a:off x="3059431" y="4051952"/>
             <a:ext cx="543739" cy="307777"/>
           </a:xfrm>
           <a:prstGeom prst="rect">
@@ -3928,6 +3930,366 @@
           </a:p>
         </p:txBody>
       </p:sp>
+      <p:sp>
+        <p:nvSpPr>
+          <p:cNvPr id="15" name="テキスト ボックス 14">
+            <a:extLst>
+              <a:ext uri="{FF2B5EF4-FFF2-40B4-BE49-F238E27FC236}">
+                <a16:creationId xmlns:a16="http://schemas.microsoft.com/office/drawing/2014/main" id="{3A35F3BB-9088-7C64-2CD8-ADE1D28492DB}"/>
+              </a:ext>
+            </a:extLst>
+          </p:cNvPr>
+          <p:cNvSpPr txBox="1"/>
+          <p:nvPr/>
+        </p:nvSpPr>
+        <p:spPr>
+          <a:xfrm>
+            <a:off x="5814858" y="3086508"/>
+            <a:ext cx="1665841" cy="307777"/>
+          </a:xfrm>
+          <a:prstGeom prst="rect">
+            <a:avLst/>
+          </a:prstGeom>
+          <a:noFill/>
+        </p:spPr>
+        <p:txBody>
+          <a:bodyPr wrap="none" rtlCol="0">
+            <a:spAutoFit/>
+          </a:bodyPr>
+          <a:lstStyle/>
+          <a:p>
+            <a:r>
+              <a:rPr kumimoji="1" lang="en-US" altLang="ja-JP" sz="1400" dirty="0"/>
+              <a:t>SAML</a:t>
+            </a:r>
+            <a:r>
+              <a:rPr lang="ja-JP" altLang="en-US" sz="1400"/>
+              <a:t> </a:t>
+            </a:r>
+            <a:r>
+              <a:rPr lang="en-US" altLang="ja-JP" sz="1400" dirty="0"/>
+              <a:t>ID Provider</a:t>
+            </a:r>
+            <a:endParaRPr kumimoji="1" lang="ja-JP" altLang="en-US" sz="1400"/>
+          </a:p>
+        </p:txBody>
+      </p:sp>
+      <p:pic>
+        <p:nvPicPr>
+          <p:cNvPr id="17" name="グラフィックス 16">
+            <a:extLst>
+              <a:ext uri="{FF2B5EF4-FFF2-40B4-BE49-F238E27FC236}">
+                <a16:creationId xmlns:a16="http://schemas.microsoft.com/office/drawing/2014/main" id="{B8685546-F03D-1113-C68D-A2473086ABC7}"/>
+              </a:ext>
+            </a:extLst>
+          </p:cNvPr>
+          <p:cNvPicPr>
+            <a:picLocks noChangeAspect="1"/>
+          </p:cNvPicPr>
+          <p:nvPr/>
+        </p:nvPicPr>
+        <p:blipFill>
+          <a:blip r:embed="rId2">
+            <a:extLst>
+              <a:ext uri="{96DAC541-7B7A-43D3-8B79-37D633B846F1}">
+                <asvg:svgBlip xmlns:asvg="http://schemas.microsoft.com/office/drawing/2016/SVG/main" r:embed="rId3"/>
+              </a:ext>
+            </a:extLst>
+          </a:blip>
+          <a:stretch>
+            <a:fillRect/>
+          </a:stretch>
+        </p:blipFill>
+        <p:spPr>
+          <a:xfrm>
+            <a:off x="5162007" y="1934394"/>
+            <a:ext cx="518156" cy="518156"/>
+          </a:xfrm>
+          <a:prstGeom prst="rect">
+            <a:avLst/>
+          </a:prstGeom>
+        </p:spPr>
+      </p:pic>
+      <p:pic>
+        <p:nvPicPr>
+          <p:cNvPr id="19" name="グラフィックス 18">
+            <a:extLst>
+              <a:ext uri="{FF2B5EF4-FFF2-40B4-BE49-F238E27FC236}">
+                <a16:creationId xmlns:a16="http://schemas.microsoft.com/office/drawing/2014/main" id="{3221446E-F225-36E5-0943-84EA4742446A}"/>
+              </a:ext>
+            </a:extLst>
+          </p:cNvPr>
+          <p:cNvPicPr>
+            <a:picLocks noChangeAspect="1"/>
+          </p:cNvPicPr>
+          <p:nvPr/>
+        </p:nvPicPr>
+        <p:blipFill>
+          <a:blip r:embed="rId4">
+            <a:extLst>
+              <a:ext uri="{96DAC541-7B7A-43D3-8B79-37D633B846F1}">
+                <asvg:svgBlip xmlns:asvg="http://schemas.microsoft.com/office/drawing/2016/SVG/main" r:embed="rId5"/>
+              </a:ext>
+            </a:extLst>
+          </a:blip>
+          <a:stretch>
+            <a:fillRect/>
+          </a:stretch>
+        </p:blipFill>
+        <p:spPr>
+          <a:xfrm>
+            <a:off x="5549389" y="1408914"/>
+            <a:ext cx="389298" cy="389298"/>
+          </a:xfrm>
+          <a:prstGeom prst="rect">
+            <a:avLst/>
+          </a:prstGeom>
+        </p:spPr>
+      </p:pic>
+      <p:pic>
+        <p:nvPicPr>
+          <p:cNvPr id="21" name="グラフィックス 20">
+            <a:extLst>
+              <a:ext uri="{FF2B5EF4-FFF2-40B4-BE49-F238E27FC236}">
+                <a16:creationId xmlns:a16="http://schemas.microsoft.com/office/drawing/2014/main" id="{05A0FA24-C920-B553-4DD3-AA374FF8D449}"/>
+              </a:ext>
+            </a:extLst>
+          </p:cNvPr>
+          <p:cNvPicPr>
+            <a:picLocks noChangeAspect="1"/>
+          </p:cNvPicPr>
+          <p:nvPr/>
+        </p:nvPicPr>
+        <p:blipFill>
+          <a:blip r:embed="rId6">
+            <a:extLst>
+              <a:ext uri="{96DAC541-7B7A-43D3-8B79-37D633B846F1}">
+                <asvg:svgBlip xmlns:asvg="http://schemas.microsoft.com/office/drawing/2016/SVG/main" r:embed="rId7"/>
+              </a:ext>
+            </a:extLst>
+          </a:blip>
+          <a:stretch>
+            <a:fillRect/>
+          </a:stretch>
+        </p:blipFill>
+        <p:spPr>
+          <a:xfrm>
+            <a:off x="5481015" y="811394"/>
+            <a:ext cx="471051" cy="471051"/>
+          </a:xfrm>
+          <a:prstGeom prst="rect">
+            <a:avLst/>
+          </a:prstGeom>
+        </p:spPr>
+      </p:pic>
+      <p:sp>
+        <p:nvSpPr>
+          <p:cNvPr id="24" name="テキスト ボックス 23">
+            <a:extLst>
+              <a:ext uri="{FF2B5EF4-FFF2-40B4-BE49-F238E27FC236}">
+                <a16:creationId xmlns:a16="http://schemas.microsoft.com/office/drawing/2014/main" id="{F1FD1036-00CC-C0FB-D6C7-291193DFE7EE}"/>
+              </a:ext>
+            </a:extLst>
+          </p:cNvPr>
+          <p:cNvSpPr txBox="1"/>
+          <p:nvPr/>
+        </p:nvSpPr>
+        <p:spPr>
+          <a:xfrm>
+            <a:off x="4836629" y="2519040"/>
+            <a:ext cx="1168910" cy="307777"/>
+          </a:xfrm>
+          <a:prstGeom prst="rect">
+            <a:avLst/>
+          </a:prstGeom>
+          <a:noFill/>
+        </p:spPr>
+        <p:txBody>
+          <a:bodyPr wrap="none" rtlCol="0">
+            <a:spAutoFit/>
+          </a:bodyPr>
+          <a:lstStyle/>
+          <a:p>
+            <a:r>
+              <a:rPr kumimoji="1" lang="en-US" altLang="ja-JP" sz="1400" dirty="0"/>
+              <a:t>App Service</a:t>
+            </a:r>
+            <a:endParaRPr kumimoji="1" lang="ja-JP" altLang="en-US" sz="1400"/>
+          </a:p>
+        </p:txBody>
+      </p:sp>
+      <p:sp>
+        <p:nvSpPr>
+          <p:cNvPr id="26" name="テキスト ボックス 25">
+            <a:extLst>
+              <a:ext uri="{FF2B5EF4-FFF2-40B4-BE49-F238E27FC236}">
+                <a16:creationId xmlns:a16="http://schemas.microsoft.com/office/drawing/2014/main" id="{FA8096D7-C72A-9734-2C6B-663364037EB4}"/>
+              </a:ext>
+            </a:extLst>
+          </p:cNvPr>
+          <p:cNvSpPr txBox="1"/>
+          <p:nvPr/>
+        </p:nvSpPr>
+        <p:spPr>
+          <a:xfrm>
+            <a:off x="6045909" y="856408"/>
+            <a:ext cx="1911101" cy="523220"/>
+          </a:xfrm>
+          <a:prstGeom prst="rect">
+            <a:avLst/>
+          </a:prstGeom>
+          <a:noFill/>
+        </p:spPr>
+        <p:txBody>
+          <a:bodyPr wrap="none" rtlCol="0">
+            <a:spAutoFit/>
+          </a:bodyPr>
+          <a:lstStyle/>
+          <a:p>
+            <a:r>
+              <a:rPr lang="en-US" altLang="ja-JP" sz="1400" dirty="0"/>
+              <a:t>App Service Domain </a:t>
+            </a:r>
+          </a:p>
+          <a:p>
+            <a:r>
+              <a:rPr kumimoji="1" lang="en-US" altLang="ja-JP" sz="1400" dirty="0"/>
+              <a:t>&amp; Azure DNS</a:t>
+            </a:r>
+            <a:endParaRPr kumimoji="1" lang="ja-JP" altLang="en-US" sz="1400"/>
+          </a:p>
+        </p:txBody>
+      </p:sp>
+      <p:sp>
+        <p:nvSpPr>
+          <p:cNvPr id="27" name="テキスト ボックス 26">
+            <a:extLst>
+              <a:ext uri="{FF2B5EF4-FFF2-40B4-BE49-F238E27FC236}">
+                <a16:creationId xmlns:a16="http://schemas.microsoft.com/office/drawing/2014/main" id="{36F28180-BF9C-AADB-BB44-3E3F3655E796}"/>
+              </a:ext>
+            </a:extLst>
+          </p:cNvPr>
+          <p:cNvSpPr txBox="1"/>
+          <p:nvPr/>
+        </p:nvSpPr>
+        <p:spPr>
+          <a:xfrm>
+            <a:off x="6045526" y="1434964"/>
+            <a:ext cx="2084225" cy="307777"/>
+          </a:xfrm>
+          <a:prstGeom prst="rect">
+            <a:avLst/>
+          </a:prstGeom>
+          <a:noFill/>
+        </p:spPr>
+        <p:txBody>
+          <a:bodyPr wrap="none" rtlCol="0">
+            <a:spAutoFit/>
+          </a:bodyPr>
+          <a:lstStyle/>
+          <a:p>
+            <a:r>
+              <a:rPr kumimoji="1" lang="en-US" altLang="ja-JP" sz="1400" dirty="0"/>
+              <a:t>App Service Certificate</a:t>
+            </a:r>
+            <a:endParaRPr kumimoji="1" lang="ja-JP" altLang="en-US" sz="1400"/>
+          </a:p>
+        </p:txBody>
+      </p:sp>
+      <p:sp>
+        <p:nvSpPr>
+          <p:cNvPr id="29" name="角丸四角形 28">
+            <a:extLst>
+              <a:ext uri="{FF2B5EF4-FFF2-40B4-BE49-F238E27FC236}">
+                <a16:creationId xmlns:a16="http://schemas.microsoft.com/office/drawing/2014/main" id="{5FB44A69-D423-F0E5-D6DC-57FFEE5A1444}"/>
+              </a:ext>
+            </a:extLst>
+          </p:cNvPr>
+          <p:cNvSpPr/>
+          <p:nvPr/>
+        </p:nvSpPr>
+        <p:spPr>
+          <a:xfrm>
+            <a:off x="6732813" y="1830262"/>
+            <a:ext cx="1889257" cy="744252"/>
+          </a:xfrm>
+          <a:prstGeom prst="roundRect">
+            <a:avLst/>
+          </a:prstGeom>
+        </p:spPr>
+        <p:style>
+          <a:lnRef idx="1">
+            <a:schemeClr val="accent2"/>
+          </a:lnRef>
+          <a:fillRef idx="2">
+            <a:schemeClr val="accent2"/>
+          </a:fillRef>
+          <a:effectRef idx="1">
+            <a:schemeClr val="accent2"/>
+          </a:effectRef>
+          <a:fontRef idx="minor">
+            <a:schemeClr val="dk1"/>
+          </a:fontRef>
+        </p:style>
+        <p:txBody>
+          <a:bodyPr rtlCol="0" anchor="ctr"/>
+          <a:lstStyle/>
+          <a:p>
+            <a:pPr algn="ctr"/>
+            <a:r>
+              <a:rPr kumimoji="1" lang="en-US" altLang="ja-JP" sz="1400" dirty="0"/>
+              <a:t>Simple SAML </a:t>
+            </a:r>
+            <a:r>
+              <a:rPr kumimoji="1" lang="en-US" altLang="ja-JP" sz="1400" dirty="0" err="1"/>
+              <a:t>php</a:t>
+            </a:r>
+            <a:endParaRPr kumimoji="1" lang="en-US" altLang="ja-JP" sz="1400" dirty="0"/>
+          </a:p>
+        </p:txBody>
+      </p:sp>
+      <p:cxnSp>
+        <p:nvCxnSpPr>
+          <p:cNvPr id="30" name="直線矢印コネクタ 29">
+            <a:extLst>
+              <a:ext uri="{FF2B5EF4-FFF2-40B4-BE49-F238E27FC236}">
+                <a16:creationId xmlns:a16="http://schemas.microsoft.com/office/drawing/2014/main" id="{CBD59F30-24D1-75D2-5BD1-FF10859EA9E8}"/>
+              </a:ext>
+            </a:extLst>
+          </p:cNvPr>
+          <p:cNvCxnSpPr>
+            <a:cxnSpLocks/>
+          </p:cNvCxnSpPr>
+          <p:nvPr/>
+        </p:nvCxnSpPr>
+        <p:spPr>
+          <a:xfrm flipV="1">
+            <a:off x="5744038" y="2204681"/>
+            <a:ext cx="816492" cy="2391"/>
+          </a:xfrm>
+          <a:prstGeom prst="straightConnector1">
+            <a:avLst/>
+          </a:prstGeom>
+          <a:ln w="28575">
+            <a:headEnd type="none" w="med" len="med"/>
+            <a:tailEnd type="arrow" w="med" len="med"/>
+          </a:ln>
+        </p:spPr>
+        <p:style>
+          <a:lnRef idx="1">
+            <a:schemeClr val="dk1"/>
+          </a:lnRef>
+          <a:fillRef idx="0">
+            <a:schemeClr val="dk1"/>
+          </a:fillRef>
+          <a:effectRef idx="0">
+            <a:schemeClr val="dk1"/>
+          </a:effectRef>
+          <a:fontRef idx="minor">
+            <a:schemeClr val="tx1"/>
+          </a:fontRef>
+        </p:style>
+      </p:cxnSp>
     </p:spTree>
     <p:extLst>
       <p:ext uri="{BB962C8B-B14F-4D97-AF65-F5344CB8AC3E}">
